--- a/QS.pptx
+++ b/QS.pptx
@@ -15,6 +15,7 @@
     <p:sldId id="262" r:id="rId9"/>
     <p:sldId id="263" r:id="rId10"/>
     <p:sldId id="264" r:id="rId11"/>
+    <p:sldId id="266" r:id="rId12"/>
   </p:sldIdLst>
   <p:sldSz cx="12192000" cy="6858000"/>
   <p:notesSz cx="6858000" cy="9144000"/>
@@ -113,6 +114,11 @@
       </a:defRPr>
     </a:lvl9pPr>
   </p:defaultTextStyle>
+  <p:extLst>
+    <p:ext uri="{EFAFB233-063F-42B5-8137-9DF3F51BA10A}">
+      <p15:sldGuideLst xmlns:p15="http://schemas.microsoft.com/office/powerpoint/2012/main"/>
+    </p:ext>
+  </p:extLst>
 </p:presentation>
 </file>
 
@@ -307,7 +313,7 @@
           <a:p>
             <a:fld id="{925952C7-4D50-467A-A3C9-7C7671C87D71}" type="datetimeFigureOut">
               <a:rPr lang="zh-CN" altLang="en-US" smtClean="0"/>
-              <a:t>2019/10/6</a:t>
+              <a:t>2019/10/8</a:t>
             </a:fld>
             <a:endParaRPr lang="zh-CN" altLang="en-US"/>
           </a:p>
@@ -743,7 +749,7 @@
           <a:p>
             <a:fld id="{925952C7-4D50-467A-A3C9-7C7671C87D71}" type="datetimeFigureOut">
               <a:rPr lang="zh-CN" altLang="en-US" smtClean="0"/>
-              <a:t>2019/10/6</a:t>
+              <a:t>2019/10/8</a:t>
             </a:fld>
             <a:endParaRPr lang="zh-CN" altLang="en-US"/>
           </a:p>
@@ -993,7 +999,7 @@
           <a:p>
             <a:fld id="{925952C7-4D50-467A-A3C9-7C7671C87D71}" type="datetimeFigureOut">
               <a:rPr lang="zh-CN" altLang="en-US" smtClean="0"/>
-              <a:t>2019/10/6</a:t>
+              <a:t>2019/10/8</a:t>
             </a:fld>
             <a:endParaRPr lang="zh-CN" altLang="en-US"/>
           </a:p>
@@ -1301,7 +1307,7 @@
           <a:p>
             <a:fld id="{925952C7-4D50-467A-A3C9-7C7671C87D71}" type="datetimeFigureOut">
               <a:rPr lang="zh-CN" altLang="en-US" smtClean="0"/>
-              <a:t>2019/10/6</a:t>
+              <a:t>2019/10/8</a:t>
             </a:fld>
             <a:endParaRPr lang="zh-CN" altLang="en-US"/>
           </a:p>
@@ -1619,7 +1625,7 @@
           <a:p>
             <a:fld id="{925952C7-4D50-467A-A3C9-7C7671C87D71}" type="datetimeFigureOut">
               <a:rPr lang="zh-CN" altLang="en-US" smtClean="0"/>
-              <a:t>2019/10/6</a:t>
+              <a:t>2019/10/8</a:t>
             </a:fld>
             <a:endParaRPr lang="zh-CN" altLang="en-US"/>
           </a:p>
@@ -1921,7 +1927,7 @@
           <a:p>
             <a:fld id="{925952C7-4D50-467A-A3C9-7C7671C87D71}" type="datetimeFigureOut">
               <a:rPr lang="zh-CN" altLang="en-US" smtClean="0"/>
-              <a:t>2019/10/6</a:t>
+              <a:t>2019/10/8</a:t>
             </a:fld>
             <a:endParaRPr lang="zh-CN" altLang="en-US"/>
           </a:p>
@@ -2288,7 +2294,7 @@
           <a:p>
             <a:fld id="{925952C7-4D50-467A-A3C9-7C7671C87D71}" type="datetimeFigureOut">
               <a:rPr lang="zh-CN" altLang="en-US" smtClean="0"/>
-              <a:t>2019/10/6</a:t>
+              <a:t>2019/10/8</a:t>
             </a:fld>
             <a:endParaRPr lang="zh-CN" altLang="en-US"/>
           </a:p>
@@ -2462,7 +2468,7 @@
           <a:p>
             <a:fld id="{925952C7-4D50-467A-A3C9-7C7671C87D71}" type="datetimeFigureOut">
               <a:rPr lang="zh-CN" altLang="en-US" smtClean="0"/>
-              <a:t>2019/10/6</a:t>
+              <a:t>2019/10/8</a:t>
             </a:fld>
             <a:endParaRPr lang="zh-CN" altLang="en-US"/>
           </a:p>
@@ -2642,7 +2648,7 @@
           <a:p>
             <a:fld id="{925952C7-4D50-467A-A3C9-7C7671C87D71}" type="datetimeFigureOut">
               <a:rPr lang="zh-CN" altLang="en-US" smtClean="0"/>
-              <a:t>2019/10/6</a:t>
+              <a:t>2019/10/8</a:t>
             </a:fld>
             <a:endParaRPr lang="zh-CN" altLang="en-US"/>
           </a:p>
@@ -2812,7 +2818,7 @@
           <a:p>
             <a:fld id="{925952C7-4D50-467A-A3C9-7C7671C87D71}" type="datetimeFigureOut">
               <a:rPr lang="zh-CN" altLang="en-US" smtClean="0"/>
-              <a:t>2019/10/6</a:t>
+              <a:t>2019/10/8</a:t>
             </a:fld>
             <a:endParaRPr lang="zh-CN" altLang="en-US"/>
           </a:p>
@@ -3062,7 +3068,7 @@
           <a:p>
             <a:fld id="{925952C7-4D50-467A-A3C9-7C7671C87D71}" type="datetimeFigureOut">
               <a:rPr lang="zh-CN" altLang="en-US" smtClean="0"/>
-              <a:t>2019/10/6</a:t>
+              <a:t>2019/10/8</a:t>
             </a:fld>
             <a:endParaRPr lang="zh-CN" altLang="en-US"/>
           </a:p>
@@ -3298,7 +3304,7 @@
           <a:p>
             <a:fld id="{925952C7-4D50-467A-A3C9-7C7671C87D71}" type="datetimeFigureOut">
               <a:rPr lang="zh-CN" altLang="en-US" smtClean="0"/>
-              <a:t>2019/10/6</a:t>
+              <a:t>2019/10/8</a:t>
             </a:fld>
             <a:endParaRPr lang="zh-CN" altLang="en-US"/>
           </a:p>
@@ -3680,7 +3686,7 @@
           <a:p>
             <a:fld id="{925952C7-4D50-467A-A3C9-7C7671C87D71}" type="datetimeFigureOut">
               <a:rPr lang="zh-CN" altLang="en-US" smtClean="0"/>
-              <a:t>2019/10/6</a:t>
+              <a:t>2019/10/8</a:t>
             </a:fld>
             <a:endParaRPr lang="zh-CN" altLang="en-US"/>
           </a:p>
@@ -3798,7 +3804,7 @@
           <a:p>
             <a:fld id="{925952C7-4D50-467A-A3C9-7C7671C87D71}" type="datetimeFigureOut">
               <a:rPr lang="zh-CN" altLang="en-US" smtClean="0"/>
-              <a:t>2019/10/6</a:t>
+              <a:t>2019/10/8</a:t>
             </a:fld>
             <a:endParaRPr lang="zh-CN" altLang="en-US"/>
           </a:p>
@@ -3893,7 +3899,7 @@
           <a:p>
             <a:fld id="{925952C7-4D50-467A-A3C9-7C7671C87D71}" type="datetimeFigureOut">
               <a:rPr lang="zh-CN" altLang="en-US" smtClean="0"/>
-              <a:t>2019/10/6</a:t>
+              <a:t>2019/10/8</a:t>
             </a:fld>
             <a:endParaRPr lang="zh-CN" altLang="en-US"/>
           </a:p>
@@ -4148,7 +4154,7 @@
           <a:p>
             <a:fld id="{925952C7-4D50-467A-A3C9-7C7671C87D71}" type="datetimeFigureOut">
               <a:rPr lang="zh-CN" altLang="en-US" smtClean="0"/>
-              <a:t>2019/10/6</a:t>
+              <a:t>2019/10/8</a:t>
             </a:fld>
             <a:endParaRPr lang="zh-CN" altLang="en-US"/>
           </a:p>
@@ -4431,7 +4437,7 @@
           <a:p>
             <a:fld id="{925952C7-4D50-467A-A3C9-7C7671C87D71}" type="datetimeFigureOut">
               <a:rPr lang="zh-CN" altLang="en-US" smtClean="0"/>
-              <a:t>2019/10/6</a:t>
+              <a:t>2019/10/8</a:t>
             </a:fld>
             <a:endParaRPr lang="zh-CN" altLang="en-US"/>
           </a:p>
@@ -4837,7 +4843,7 @@
           <a:p>
             <a:fld id="{925952C7-4D50-467A-A3C9-7C7671C87D71}" type="datetimeFigureOut">
               <a:rPr lang="zh-CN" altLang="en-US" smtClean="0"/>
-              <a:t>2019/10/6</a:t>
+              <a:t>2019/10/8</a:t>
             </a:fld>
             <a:endParaRPr lang="zh-CN" altLang="en-US"/>
           </a:p>
@@ -5541,6 +5547,115 @@
 </p:sld>
 </file>
 
+<file path=ppt/slides/slide11.xml><?xml version="1.0" encoding="utf-8"?>
+<p:sld xmlns:a="http://schemas.openxmlformats.org/drawingml/2006/main" xmlns:r="http://schemas.openxmlformats.org/officeDocument/2006/relationships" xmlns:p="http://schemas.openxmlformats.org/presentationml/2006/main">
+  <p:cSld>
+    <p:spTree>
+      <p:nvGrpSpPr>
+        <p:cNvPr id="1" name=""/>
+        <p:cNvGrpSpPr/>
+        <p:nvPr/>
+      </p:nvGrpSpPr>
+      <p:grpSpPr>
+        <a:xfrm>
+          <a:off x="0" y="0"/>
+          <a:ext cx="0" cy="0"/>
+          <a:chOff x="0" y="0"/>
+          <a:chExt cx="0" cy="0"/>
+        </a:xfrm>
+      </p:grpSpPr>
+      <p:sp>
+        <p:nvSpPr>
+          <p:cNvPr id="2" name="标题 1">
+            <a:extLst>
+              <a:ext uri="{FF2B5EF4-FFF2-40B4-BE49-F238E27FC236}">
+                <a16:creationId xmlns:a16="http://schemas.microsoft.com/office/drawing/2014/main" id="{FFFE8D30-5899-443B-A0C4-032CB3D5E823}"/>
+              </a:ext>
+            </a:extLst>
+          </p:cNvPr>
+          <p:cNvSpPr>
+            <a:spLocks noGrp="1"/>
+          </p:cNvSpPr>
+          <p:nvPr>
+            <p:ph type="title"/>
+          </p:nvPr>
+        </p:nvSpPr>
+        <p:spPr/>
+        <p:txBody>
+          <a:bodyPr/>
+          <a:lstStyle/>
+          <a:p>
+            <a:r>
+              <a:rPr lang="en-US" altLang="zh-CN" dirty="0"/>
+              <a:t>Integration process</a:t>
+            </a:r>
+            <a:endParaRPr lang="zh-CN" altLang="en-US" dirty="0"/>
+          </a:p>
+        </p:txBody>
+      </p:sp>
+      <p:pic>
+        <p:nvPicPr>
+          <p:cNvPr id="1026" name="Picture 2" descr="Gerrit in place of Central&#10;Repository">
+            <a:hlinkClick r:id="rId2"/>
+            <a:extLst>
+              <a:ext uri="{FF2B5EF4-FFF2-40B4-BE49-F238E27FC236}">
+                <a16:creationId xmlns:a16="http://schemas.microsoft.com/office/drawing/2014/main" id="{82809FE9-3A17-4DC4-9B7A-F488B4B31A43}"/>
+              </a:ext>
+            </a:extLst>
+          </p:cNvPr>
+          <p:cNvPicPr>
+            <a:picLocks noGrp="1" noChangeAspect="1" noChangeArrowheads="1"/>
+          </p:cNvPicPr>
+          <p:nvPr>
+            <p:ph idx="1"/>
+          </p:nvPr>
+        </p:nvPicPr>
+        <p:blipFill>
+          <a:blip r:embed="rId3">
+            <a:extLst>
+              <a:ext uri="{28A0092B-C50C-407E-A947-70E740481C1C}">
+                <a14:useLocalDpi xmlns:a14="http://schemas.microsoft.com/office/drawing/2010/main" val="0"/>
+              </a:ext>
+            </a:extLst>
+          </a:blip>
+          <a:srcRect/>
+          <a:stretch>
+            <a:fillRect/>
+          </a:stretch>
+        </p:blipFill>
+        <p:spPr bwMode="auto">
+          <a:xfrm>
+            <a:off x="2702415" y="1"/>
+            <a:ext cx="5828843" cy="4998524"/>
+          </a:xfrm>
+          <a:prstGeom prst="rect">
+            <a:avLst/>
+          </a:prstGeom>
+          <a:noFill/>
+          <a:extLst>
+            <a:ext uri="{909E8E84-426E-40DD-AFC4-6F175D3DCCD1}">
+              <a14:hiddenFill xmlns:a14="http://schemas.microsoft.com/office/drawing/2010/main">
+                <a:solidFill>
+                  <a:srgbClr val="FFFFFF"/>
+                </a:solidFill>
+              </a14:hiddenFill>
+            </a:ext>
+          </a:extLst>
+        </p:spPr>
+      </p:pic>
+    </p:spTree>
+    <p:extLst>
+      <p:ext uri="{BB962C8B-B14F-4D97-AF65-F5344CB8AC3E}">
+        <p14:creationId xmlns:p14="http://schemas.microsoft.com/office/powerpoint/2010/main" val="3898506696"/>
+      </p:ext>
+    </p:extLst>
+  </p:cSld>
+  <p:clrMapOvr>
+    <a:masterClrMapping/>
+  </p:clrMapOvr>
+</p:sld>
+</file>
+
 <file path=ppt/slides/slide2.xml><?xml version="1.0" encoding="utf-8"?>
 <p:sld xmlns:a="http://schemas.openxmlformats.org/drawingml/2006/main" xmlns:r="http://schemas.openxmlformats.org/officeDocument/2006/relationships" xmlns:p="http://schemas.openxmlformats.org/presentationml/2006/main">
   <p:cSld>
@@ -5692,6 +5807,7 @@
       <p:pic>
         <p:nvPicPr>
           <p:cNvPr id="9" name="内容占位符 8">
+            <a:hlinkClick r:id="rId2"/>
             <a:extLst>
               <a:ext uri="{FF2B5EF4-FFF2-40B4-BE49-F238E27FC236}">
                 <a16:creationId xmlns:a16="http://schemas.microsoft.com/office/drawing/2014/main" id="{50C8D72A-3775-4C47-BAE6-EDCB722D11E5}"/>
@@ -5706,7 +5822,7 @@
           </p:nvPr>
         </p:nvPicPr>
         <p:blipFill>
-          <a:blip r:embed="rId2">
+          <a:blip r:embed="rId3">
             <a:extLst>
               <a:ext uri="{28A0092B-C50C-407E-A947-70E740481C1C}">
                 <a14:useLocalDpi xmlns:a14="http://schemas.microsoft.com/office/drawing/2010/main" val="0"/>
@@ -5787,6 +5903,7 @@
       <p:pic>
         <p:nvPicPr>
           <p:cNvPr id="5" name="内容占位符 4">
+            <a:hlinkClick r:id="rId2"/>
             <a:extLst>
               <a:ext uri="{FF2B5EF4-FFF2-40B4-BE49-F238E27FC236}">
                 <a16:creationId xmlns:a16="http://schemas.microsoft.com/office/drawing/2014/main" id="{5971D242-9309-45BF-9E64-B92D98368E62}"/>
@@ -5801,7 +5918,7 @@
           </p:nvPr>
         </p:nvPicPr>
         <p:blipFill>
-          <a:blip r:embed="rId2">
+          <a:blip r:embed="rId3">
             <a:extLst>
               <a:ext uri="{28A0092B-C50C-407E-A947-70E740481C1C}">
                 <a14:useLocalDpi xmlns:a14="http://schemas.microsoft.com/office/drawing/2010/main" val="0"/>
@@ -5882,6 +5999,7 @@
       <p:pic>
         <p:nvPicPr>
           <p:cNvPr id="5" name="内容占位符 4">
+            <a:hlinkClick r:id="rId2"/>
             <a:extLst>
               <a:ext uri="{FF2B5EF4-FFF2-40B4-BE49-F238E27FC236}">
                 <a16:creationId xmlns:a16="http://schemas.microsoft.com/office/drawing/2014/main" id="{74E3B770-E798-42BD-9036-3539164B08A0}"/>
@@ -5896,7 +6014,7 @@
           </p:nvPr>
         </p:nvPicPr>
         <p:blipFill>
-          <a:blip r:embed="rId2">
+          <a:blip r:embed="rId3">
             <a:extLst>
               <a:ext uri="{28A0092B-C50C-407E-A947-70E740481C1C}">
                 <a14:useLocalDpi xmlns:a14="http://schemas.microsoft.com/office/drawing/2010/main" val="0"/>
@@ -6076,6 +6194,7 @@
       <p:pic>
         <p:nvPicPr>
           <p:cNvPr id="5" name="内容占位符 4">
+            <a:hlinkClick r:id="rId2"/>
             <a:extLst>
               <a:ext uri="{FF2B5EF4-FFF2-40B4-BE49-F238E27FC236}">
                 <a16:creationId xmlns:a16="http://schemas.microsoft.com/office/drawing/2014/main" id="{D3FED7D3-FE44-416E-8789-37E19304547B}"/>
@@ -6090,7 +6209,7 @@
           </p:nvPr>
         </p:nvPicPr>
         <p:blipFill>
-          <a:blip r:embed="rId2">
+          <a:blip r:embed="rId3">
             <a:extLst>
               <a:ext uri="{28A0092B-C50C-407E-A947-70E740481C1C}">
                 <a14:useLocalDpi xmlns:a14="http://schemas.microsoft.com/office/drawing/2010/main" val="0"/>
@@ -6175,6 +6294,7 @@
       <p:pic>
         <p:nvPicPr>
           <p:cNvPr id="5" name="内容占位符 4">
+            <a:hlinkClick r:id="rId2"/>
             <a:extLst>
               <a:ext uri="{FF2B5EF4-FFF2-40B4-BE49-F238E27FC236}">
                 <a16:creationId xmlns:a16="http://schemas.microsoft.com/office/drawing/2014/main" id="{6FAF62B5-03E1-4FD0-82A9-2A1046662CA8}"/>
@@ -6189,7 +6309,7 @@
           </p:nvPr>
         </p:nvPicPr>
         <p:blipFill>
-          <a:blip r:embed="rId2">
+          <a:blip r:embed="rId3">
             <a:extLst>
               <a:ext uri="{28A0092B-C50C-407E-A947-70E740481C1C}">
                 <a14:useLocalDpi xmlns:a14="http://schemas.microsoft.com/office/drawing/2010/main" val="0"/>
